--- a/ProjectReport-Optimization of Drug Development.pptx
+++ b/ProjectReport-Optimization of Drug Development.pptx
@@ -13,6 +13,7 @@
     <p:sldId id="260" r:id="rId7"/>
     <p:sldId id="261" r:id="rId8"/>
     <p:sldId id="262" r:id="rId9"/>
+    <p:sldId id="264" r:id="rId10"/>
   </p:sldIdLst>
   <p:sldSz cx="9144000" cy="6858000" type="screen4x3"/>
   <p:notesSz cx="6858000" cy="9144000"/>
@@ -111,7 +112,27 @@
       </a:defRPr>
     </a:lvl9pPr>
   </p:defaultTextStyle>
+  <p:extLst>
+    <p:ext uri="{EFAFB233-063F-42B5-8137-9DF3F51BA10A}">
+      <p15:sldGuideLst xmlns:p15="http://schemas.microsoft.com/office/powerpoint/2012/main">
+        <p15:guide id="1" orient="horz" pos="2160">
+          <p15:clr>
+            <a:srgbClr val="A4A3A4"/>
+          </p15:clr>
+        </p15:guide>
+        <p15:guide id="2" pos="2880">
+          <p15:clr>
+            <a:srgbClr val="A4A3A4"/>
+          </p15:clr>
+        </p15:guide>
+      </p15:sldGuideLst>
+    </p:ext>
+  </p:extLst>
 </p:presentation>
+</file>
+
+<file path=ppt/revisionInfo.xml><?xml version="1.0" encoding="utf-8"?>
+<p1510:revInfo xmlns:a="http://schemas.openxmlformats.org/drawingml/2006/main" xmlns:r="http://schemas.openxmlformats.org/officeDocument/2006/relationships" xmlns:p1510="http://schemas.microsoft.com/office/powerpoint/2015/10/main"/>
 </file>
 
 <file path=ppt/slideLayouts/slideLayout1.xml><?xml version="1.0" encoding="utf-8"?>
@@ -152,7 +173,7 @@
           <a:lstStyle/>
           <a:p>
             <a:r>
-              <a:rPr lang="en-US" smtClean="0"/>
+              <a:rPr lang="en-US"/>
               <a:t>Click to edit Master title style</a:t>
             </a:r>
             <a:endParaRPr lang="en-IN"/>
@@ -271,7 +292,7 @@
           </a:lstStyle>
           <a:p>
             <a:r>
-              <a:rPr lang="en-US" smtClean="0"/>
+              <a:rPr lang="en-US"/>
               <a:t>Click to edit Master subtitle style</a:t>
             </a:r>
             <a:endParaRPr lang="en-IN"/>
@@ -296,7 +317,7 @@
             <a:fld id="{021C74A7-6125-4817-99A7-07887D8AB1DC}" type="datetimeFigureOut">
               <a:rPr lang="en-IN" smtClean="0"/>
               <a:pPr/>
-              <a:t>10-12-2017</a:t>
+              <a:t>12-12-2017</a:t>
             </a:fld>
             <a:endParaRPr lang="en-IN"/>
           </a:p>
@@ -386,7 +407,7 @@
           <a:lstStyle/>
           <a:p>
             <a:r>
-              <a:rPr lang="en-US" smtClean="0"/>
+              <a:rPr lang="en-US"/>
               <a:t>Click to edit Master title style</a:t>
             </a:r>
             <a:endParaRPr lang="en-IN"/>
@@ -410,35 +431,35 @@
           <a:p>
             <a:pPr lvl="0"/>
             <a:r>
-              <a:rPr lang="en-US" smtClean="0"/>
+              <a:rPr lang="en-US"/>
               <a:t>Click to edit Master text styles</a:t>
             </a:r>
           </a:p>
           <a:p>
             <a:pPr lvl="1"/>
             <a:r>
-              <a:rPr lang="en-US" smtClean="0"/>
+              <a:rPr lang="en-US"/>
               <a:t>Second level</a:t>
             </a:r>
           </a:p>
           <a:p>
             <a:pPr lvl="2"/>
             <a:r>
-              <a:rPr lang="en-US" smtClean="0"/>
+              <a:rPr lang="en-US"/>
               <a:t>Third level</a:t>
             </a:r>
           </a:p>
           <a:p>
             <a:pPr lvl="3"/>
             <a:r>
-              <a:rPr lang="en-US" smtClean="0"/>
+              <a:rPr lang="en-US"/>
               <a:t>Fourth level</a:t>
             </a:r>
           </a:p>
           <a:p>
             <a:pPr lvl="4"/>
             <a:r>
-              <a:rPr lang="en-US" smtClean="0"/>
+              <a:rPr lang="en-US"/>
               <a:t>Fifth level</a:t>
             </a:r>
             <a:endParaRPr lang="en-IN"/>
@@ -463,7 +484,7 @@
             <a:fld id="{021C74A7-6125-4817-99A7-07887D8AB1DC}" type="datetimeFigureOut">
               <a:rPr lang="en-IN" smtClean="0"/>
               <a:pPr/>
-              <a:t>10-12-2017</a:t>
+              <a:t>12-12-2017</a:t>
             </a:fld>
             <a:endParaRPr lang="en-IN"/>
           </a:p>
@@ -558,7 +579,7 @@
           <a:lstStyle/>
           <a:p>
             <a:r>
-              <a:rPr lang="en-US" smtClean="0"/>
+              <a:rPr lang="en-US"/>
               <a:t>Click to edit Master title style</a:t>
             </a:r>
             <a:endParaRPr lang="en-IN"/>
@@ -587,35 +608,35 @@
           <a:p>
             <a:pPr lvl="0"/>
             <a:r>
-              <a:rPr lang="en-US" smtClean="0"/>
+              <a:rPr lang="en-US"/>
               <a:t>Click to edit Master text styles</a:t>
             </a:r>
           </a:p>
           <a:p>
             <a:pPr lvl="1"/>
             <a:r>
-              <a:rPr lang="en-US" smtClean="0"/>
+              <a:rPr lang="en-US"/>
               <a:t>Second level</a:t>
             </a:r>
           </a:p>
           <a:p>
             <a:pPr lvl="2"/>
             <a:r>
-              <a:rPr lang="en-US" smtClean="0"/>
+              <a:rPr lang="en-US"/>
               <a:t>Third level</a:t>
             </a:r>
           </a:p>
           <a:p>
             <a:pPr lvl="3"/>
             <a:r>
-              <a:rPr lang="en-US" smtClean="0"/>
+              <a:rPr lang="en-US"/>
               <a:t>Fourth level</a:t>
             </a:r>
           </a:p>
           <a:p>
             <a:pPr lvl="4"/>
             <a:r>
-              <a:rPr lang="en-US" smtClean="0"/>
+              <a:rPr lang="en-US"/>
               <a:t>Fifth level</a:t>
             </a:r>
             <a:endParaRPr lang="en-IN"/>
@@ -640,7 +661,7 @@
             <a:fld id="{021C74A7-6125-4817-99A7-07887D8AB1DC}" type="datetimeFigureOut">
               <a:rPr lang="en-IN" smtClean="0"/>
               <a:pPr/>
-              <a:t>10-12-2017</a:t>
+              <a:t>12-12-2017</a:t>
             </a:fld>
             <a:endParaRPr lang="en-IN"/>
           </a:p>
@@ -730,7 +751,7 @@
           <a:lstStyle/>
           <a:p>
             <a:r>
-              <a:rPr lang="en-US" smtClean="0"/>
+              <a:rPr lang="en-US"/>
               <a:t>Click to edit Master title style</a:t>
             </a:r>
             <a:endParaRPr lang="en-IN"/>
@@ -754,35 +775,35 @@
           <a:p>
             <a:pPr lvl="0"/>
             <a:r>
-              <a:rPr lang="en-US" smtClean="0"/>
+              <a:rPr lang="en-US"/>
               <a:t>Click to edit Master text styles</a:t>
             </a:r>
           </a:p>
           <a:p>
             <a:pPr lvl="1"/>
             <a:r>
-              <a:rPr lang="en-US" smtClean="0"/>
+              <a:rPr lang="en-US"/>
               <a:t>Second level</a:t>
             </a:r>
           </a:p>
           <a:p>
             <a:pPr lvl="2"/>
             <a:r>
-              <a:rPr lang="en-US" smtClean="0"/>
+              <a:rPr lang="en-US"/>
               <a:t>Third level</a:t>
             </a:r>
           </a:p>
           <a:p>
             <a:pPr lvl="3"/>
             <a:r>
-              <a:rPr lang="en-US" smtClean="0"/>
+              <a:rPr lang="en-US"/>
               <a:t>Fourth level</a:t>
             </a:r>
           </a:p>
           <a:p>
             <a:pPr lvl="4"/>
             <a:r>
-              <a:rPr lang="en-US" smtClean="0"/>
+              <a:rPr lang="en-US"/>
               <a:t>Fifth level</a:t>
             </a:r>
             <a:endParaRPr lang="en-IN"/>
@@ -807,7 +828,7 @@
             <a:fld id="{021C74A7-6125-4817-99A7-07887D8AB1DC}" type="datetimeFigureOut">
               <a:rPr lang="en-IN" smtClean="0"/>
               <a:pPr/>
-              <a:t>10-12-2017</a:t>
+              <a:t>12-12-2017</a:t>
             </a:fld>
             <a:endParaRPr lang="en-IN"/>
           </a:p>
@@ -906,7 +927,7 @@
           </a:lstStyle>
           <a:p>
             <a:r>
-              <a:rPr lang="en-US" smtClean="0"/>
+              <a:rPr lang="en-US"/>
               <a:t>Click to edit Master title style</a:t>
             </a:r>
             <a:endParaRPr lang="en-IN"/>
@@ -1026,7 +1047,7 @@
           <a:p>
             <a:pPr lvl="0"/>
             <a:r>
-              <a:rPr lang="en-US" smtClean="0"/>
+              <a:rPr lang="en-US"/>
               <a:t>Click to edit Master text styles</a:t>
             </a:r>
           </a:p>
@@ -1050,7 +1071,7 @@
             <a:fld id="{021C74A7-6125-4817-99A7-07887D8AB1DC}" type="datetimeFigureOut">
               <a:rPr lang="en-IN" smtClean="0"/>
               <a:pPr/>
-              <a:t>10-12-2017</a:t>
+              <a:t>12-12-2017</a:t>
             </a:fld>
             <a:endParaRPr lang="en-IN"/>
           </a:p>
@@ -1140,7 +1161,7 @@
           <a:lstStyle/>
           <a:p>
             <a:r>
-              <a:rPr lang="en-US" smtClean="0"/>
+              <a:rPr lang="en-US"/>
               <a:t>Click to edit Master title style</a:t>
             </a:r>
             <a:endParaRPr lang="en-IN"/>
@@ -1197,35 +1218,35 @@
           <a:p>
             <a:pPr lvl="0"/>
             <a:r>
-              <a:rPr lang="en-US" smtClean="0"/>
+              <a:rPr lang="en-US"/>
               <a:t>Click to edit Master text styles</a:t>
             </a:r>
           </a:p>
           <a:p>
             <a:pPr lvl="1"/>
             <a:r>
-              <a:rPr lang="en-US" smtClean="0"/>
+              <a:rPr lang="en-US"/>
               <a:t>Second level</a:t>
             </a:r>
           </a:p>
           <a:p>
             <a:pPr lvl="2"/>
             <a:r>
-              <a:rPr lang="en-US" smtClean="0"/>
+              <a:rPr lang="en-US"/>
               <a:t>Third level</a:t>
             </a:r>
           </a:p>
           <a:p>
             <a:pPr lvl="3"/>
             <a:r>
-              <a:rPr lang="en-US" smtClean="0"/>
+              <a:rPr lang="en-US"/>
               <a:t>Fourth level</a:t>
             </a:r>
           </a:p>
           <a:p>
             <a:pPr lvl="4"/>
             <a:r>
-              <a:rPr lang="en-US" smtClean="0"/>
+              <a:rPr lang="en-US"/>
               <a:t>Fifth level</a:t>
             </a:r>
             <a:endParaRPr lang="en-IN"/>
@@ -1282,35 +1303,35 @@
           <a:p>
             <a:pPr lvl="0"/>
             <a:r>
-              <a:rPr lang="en-US" smtClean="0"/>
+              <a:rPr lang="en-US"/>
               <a:t>Click to edit Master text styles</a:t>
             </a:r>
           </a:p>
           <a:p>
             <a:pPr lvl="1"/>
             <a:r>
-              <a:rPr lang="en-US" smtClean="0"/>
+              <a:rPr lang="en-US"/>
               <a:t>Second level</a:t>
             </a:r>
           </a:p>
           <a:p>
             <a:pPr lvl="2"/>
             <a:r>
-              <a:rPr lang="en-US" smtClean="0"/>
+              <a:rPr lang="en-US"/>
               <a:t>Third level</a:t>
             </a:r>
           </a:p>
           <a:p>
             <a:pPr lvl="3"/>
             <a:r>
-              <a:rPr lang="en-US" smtClean="0"/>
+              <a:rPr lang="en-US"/>
               <a:t>Fourth level</a:t>
             </a:r>
           </a:p>
           <a:p>
             <a:pPr lvl="4"/>
             <a:r>
-              <a:rPr lang="en-US" smtClean="0"/>
+              <a:rPr lang="en-US"/>
               <a:t>Fifth level</a:t>
             </a:r>
             <a:endParaRPr lang="en-IN"/>
@@ -1335,7 +1356,7 @@
             <a:fld id="{021C74A7-6125-4817-99A7-07887D8AB1DC}" type="datetimeFigureOut">
               <a:rPr lang="en-IN" smtClean="0"/>
               <a:pPr/>
-              <a:t>10-12-2017</a:t>
+              <a:t>12-12-2017</a:t>
             </a:fld>
             <a:endParaRPr lang="en-IN"/>
           </a:p>
@@ -1429,7 +1450,7 @@
           </a:lstStyle>
           <a:p>
             <a:r>
-              <a:rPr lang="en-US" smtClean="0"/>
+              <a:rPr lang="en-US"/>
               <a:t>Click to edit Master title style</a:t>
             </a:r>
             <a:endParaRPr lang="en-IN"/>
@@ -1495,7 +1516,7 @@
           <a:p>
             <a:pPr lvl="0"/>
             <a:r>
-              <a:rPr lang="en-US" smtClean="0"/>
+              <a:rPr lang="en-US"/>
               <a:t>Click to edit Master text styles</a:t>
             </a:r>
           </a:p>
@@ -1551,35 +1572,35 @@
           <a:p>
             <a:pPr lvl="0"/>
             <a:r>
-              <a:rPr lang="en-US" smtClean="0"/>
+              <a:rPr lang="en-US"/>
               <a:t>Click to edit Master text styles</a:t>
             </a:r>
           </a:p>
           <a:p>
             <a:pPr lvl="1"/>
             <a:r>
-              <a:rPr lang="en-US" smtClean="0"/>
+              <a:rPr lang="en-US"/>
               <a:t>Second level</a:t>
             </a:r>
           </a:p>
           <a:p>
             <a:pPr lvl="2"/>
             <a:r>
-              <a:rPr lang="en-US" smtClean="0"/>
+              <a:rPr lang="en-US"/>
               <a:t>Third level</a:t>
             </a:r>
           </a:p>
           <a:p>
             <a:pPr lvl="3"/>
             <a:r>
-              <a:rPr lang="en-US" smtClean="0"/>
+              <a:rPr lang="en-US"/>
               <a:t>Fourth level</a:t>
             </a:r>
           </a:p>
           <a:p>
             <a:pPr lvl="4"/>
             <a:r>
-              <a:rPr lang="en-US" smtClean="0"/>
+              <a:rPr lang="en-US"/>
               <a:t>Fifth level</a:t>
             </a:r>
             <a:endParaRPr lang="en-IN"/>
@@ -1645,7 +1666,7 @@
           <a:p>
             <a:pPr lvl="0"/>
             <a:r>
-              <a:rPr lang="en-US" smtClean="0"/>
+              <a:rPr lang="en-US"/>
               <a:t>Click to edit Master text styles</a:t>
             </a:r>
           </a:p>
@@ -1701,35 +1722,35 @@
           <a:p>
             <a:pPr lvl="0"/>
             <a:r>
-              <a:rPr lang="en-US" smtClean="0"/>
+              <a:rPr lang="en-US"/>
               <a:t>Click to edit Master text styles</a:t>
             </a:r>
           </a:p>
           <a:p>
             <a:pPr lvl="1"/>
             <a:r>
-              <a:rPr lang="en-US" smtClean="0"/>
+              <a:rPr lang="en-US"/>
               <a:t>Second level</a:t>
             </a:r>
           </a:p>
           <a:p>
             <a:pPr lvl="2"/>
             <a:r>
-              <a:rPr lang="en-US" smtClean="0"/>
+              <a:rPr lang="en-US"/>
               <a:t>Third level</a:t>
             </a:r>
           </a:p>
           <a:p>
             <a:pPr lvl="3"/>
             <a:r>
-              <a:rPr lang="en-US" smtClean="0"/>
+              <a:rPr lang="en-US"/>
               <a:t>Fourth level</a:t>
             </a:r>
           </a:p>
           <a:p>
             <a:pPr lvl="4"/>
             <a:r>
-              <a:rPr lang="en-US" smtClean="0"/>
+              <a:rPr lang="en-US"/>
               <a:t>Fifth level</a:t>
             </a:r>
             <a:endParaRPr lang="en-IN"/>
@@ -1754,7 +1775,7 @@
             <a:fld id="{021C74A7-6125-4817-99A7-07887D8AB1DC}" type="datetimeFigureOut">
               <a:rPr lang="en-IN" smtClean="0"/>
               <a:pPr/>
-              <a:t>10-12-2017</a:t>
+              <a:t>12-12-2017</a:t>
             </a:fld>
             <a:endParaRPr lang="en-IN"/>
           </a:p>
@@ -1844,7 +1865,7 @@
           <a:lstStyle/>
           <a:p>
             <a:r>
-              <a:rPr lang="en-US" smtClean="0"/>
+              <a:rPr lang="en-US"/>
               <a:t>Click to edit Master title style</a:t>
             </a:r>
             <a:endParaRPr lang="en-IN"/>
@@ -1869,7 +1890,7 @@
             <a:fld id="{021C74A7-6125-4817-99A7-07887D8AB1DC}" type="datetimeFigureOut">
               <a:rPr lang="en-IN" smtClean="0"/>
               <a:pPr/>
-              <a:t>10-12-2017</a:t>
+              <a:t>12-12-2017</a:t>
             </a:fld>
             <a:endParaRPr lang="en-IN"/>
           </a:p>
@@ -1961,7 +1982,7 @@
             <a:fld id="{021C74A7-6125-4817-99A7-07887D8AB1DC}" type="datetimeFigureOut">
               <a:rPr lang="en-IN" smtClean="0"/>
               <a:pPr/>
-              <a:t>10-12-2017</a:t>
+              <a:t>12-12-2017</a:t>
             </a:fld>
             <a:endParaRPr lang="en-IN"/>
           </a:p>
@@ -2060,7 +2081,7 @@
           </a:lstStyle>
           <a:p>
             <a:r>
-              <a:rPr lang="en-US" smtClean="0"/>
+              <a:rPr lang="en-US"/>
               <a:t>Click to edit Master title style</a:t>
             </a:r>
             <a:endParaRPr lang="en-IN"/>
@@ -2117,35 +2138,35 @@
           <a:p>
             <a:pPr lvl="0"/>
             <a:r>
-              <a:rPr lang="en-US" smtClean="0"/>
+              <a:rPr lang="en-US"/>
               <a:t>Click to edit Master text styles</a:t>
             </a:r>
           </a:p>
           <a:p>
             <a:pPr lvl="1"/>
             <a:r>
-              <a:rPr lang="en-US" smtClean="0"/>
+              <a:rPr lang="en-US"/>
               <a:t>Second level</a:t>
             </a:r>
           </a:p>
           <a:p>
             <a:pPr lvl="2"/>
             <a:r>
-              <a:rPr lang="en-US" smtClean="0"/>
+              <a:rPr lang="en-US"/>
               <a:t>Third level</a:t>
             </a:r>
           </a:p>
           <a:p>
             <a:pPr lvl="3"/>
             <a:r>
-              <a:rPr lang="en-US" smtClean="0"/>
+              <a:rPr lang="en-US"/>
               <a:t>Fourth level</a:t>
             </a:r>
           </a:p>
           <a:p>
             <a:pPr lvl="4"/>
             <a:r>
-              <a:rPr lang="en-US" smtClean="0"/>
+              <a:rPr lang="en-US"/>
               <a:t>Fifth level</a:t>
             </a:r>
             <a:endParaRPr lang="en-IN"/>
@@ -2211,7 +2232,7 @@
           <a:p>
             <a:pPr lvl="0"/>
             <a:r>
-              <a:rPr lang="en-US" smtClean="0"/>
+              <a:rPr lang="en-US"/>
               <a:t>Click to edit Master text styles</a:t>
             </a:r>
           </a:p>
@@ -2235,7 +2256,7 @@
             <a:fld id="{021C74A7-6125-4817-99A7-07887D8AB1DC}" type="datetimeFigureOut">
               <a:rPr lang="en-IN" smtClean="0"/>
               <a:pPr/>
-              <a:t>10-12-2017</a:t>
+              <a:t>12-12-2017</a:t>
             </a:fld>
             <a:endParaRPr lang="en-IN"/>
           </a:p>
@@ -2334,7 +2355,7 @@
           </a:lstStyle>
           <a:p>
             <a:r>
-              <a:rPr lang="en-US" smtClean="0"/>
+              <a:rPr lang="en-US"/>
               <a:t>Click to edit Master title style</a:t>
             </a:r>
             <a:endParaRPr lang="en-IN"/>
@@ -2461,7 +2482,7 @@
           <a:p>
             <a:pPr lvl="0"/>
             <a:r>
-              <a:rPr lang="en-US" smtClean="0"/>
+              <a:rPr lang="en-US"/>
               <a:t>Click to edit Master text styles</a:t>
             </a:r>
           </a:p>
@@ -2485,7 +2506,7 @@
             <a:fld id="{021C74A7-6125-4817-99A7-07887D8AB1DC}" type="datetimeFigureOut">
               <a:rPr lang="en-IN" smtClean="0"/>
               <a:pPr/>
-              <a:t>10-12-2017</a:t>
+              <a:t>12-12-2017</a:t>
             </a:fld>
             <a:endParaRPr lang="en-IN"/>
           </a:p>
@@ -2595,7 +2616,7 @@
           <a:lstStyle/>
           <a:p>
             <a:r>
-              <a:rPr lang="en-US" smtClean="0"/>
+              <a:rPr lang="en-US"/>
               <a:t>Click to edit Master title style</a:t>
             </a:r>
             <a:endParaRPr lang="en-IN"/>
@@ -2629,35 +2650,35 @@
           <a:p>
             <a:pPr lvl="0"/>
             <a:r>
-              <a:rPr lang="en-US" smtClean="0"/>
+              <a:rPr lang="en-US"/>
               <a:t>Click to edit Master text styles</a:t>
             </a:r>
           </a:p>
           <a:p>
             <a:pPr lvl="1"/>
             <a:r>
-              <a:rPr lang="en-US" smtClean="0"/>
+              <a:rPr lang="en-US"/>
               <a:t>Second level</a:t>
             </a:r>
           </a:p>
           <a:p>
             <a:pPr lvl="2"/>
             <a:r>
-              <a:rPr lang="en-US" smtClean="0"/>
+              <a:rPr lang="en-US"/>
               <a:t>Third level</a:t>
             </a:r>
           </a:p>
           <a:p>
             <a:pPr lvl="3"/>
             <a:r>
-              <a:rPr lang="en-US" smtClean="0"/>
+              <a:rPr lang="en-US"/>
               <a:t>Fourth level</a:t>
             </a:r>
           </a:p>
           <a:p>
             <a:pPr lvl="4"/>
             <a:r>
-              <a:rPr lang="en-US" smtClean="0"/>
+              <a:rPr lang="en-US"/>
               <a:t>Fifth level</a:t>
             </a:r>
             <a:endParaRPr lang="en-IN"/>
@@ -2700,7 +2721,7 @@
             <a:fld id="{021C74A7-6125-4817-99A7-07887D8AB1DC}" type="datetimeFigureOut">
               <a:rPr lang="en-IN" smtClean="0"/>
               <a:pPr/>
-              <a:t>10-12-2017</a:t>
+              <a:t>12-12-2017</a:t>
             </a:fld>
             <a:endParaRPr lang="en-IN"/>
           </a:p>
@@ -3094,18 +3115,64 @@
           <a:lstStyle/>
           <a:p>
             <a:r>
-              <a:rPr lang="en-IN" sz="5400" dirty="0" smtClean="0">
+              <a:rPr lang="en-IN" sz="5400" dirty="0">
                 <a:latin typeface="Arial" pitchFamily="34" charset="0"/>
                 <a:cs typeface="Arial" pitchFamily="34" charset="0"/>
               </a:rPr>
               <a:t>Genetic Algorithm – Optimization Of Drug Development Process</a:t>
             </a:r>
             <a:br>
-              <a:rPr lang="en-IN" sz="5400" dirty="0" smtClean="0">
+              <a:rPr lang="en-IN" sz="5400" dirty="0">
                 <a:latin typeface="Arial" pitchFamily="34" charset="0"/>
                 <a:cs typeface="Arial" pitchFamily="34" charset="0"/>
               </a:rPr>
             </a:br>
+            <a:br>
+              <a:rPr lang="en-IN" sz="5400" dirty="0">
+                <a:latin typeface="Arial" pitchFamily="34" charset="0"/>
+                <a:cs typeface="Arial" pitchFamily="34" charset="0"/>
+              </a:rPr>
+            </a:br>
+            <a:r>
+              <a:rPr lang="en-IN" sz="5400" dirty="0">
+                <a:latin typeface="Arial" pitchFamily="34" charset="0"/>
+                <a:cs typeface="Arial" pitchFamily="34" charset="0"/>
+              </a:rPr>
+              <a:t>		  </a:t>
+            </a:r>
+            <a:r>
+              <a:rPr lang="en-IN" sz="2800" dirty="0">
+                <a:latin typeface="Arial" pitchFamily="34" charset="0"/>
+                <a:cs typeface="Arial" pitchFamily="34" charset="0"/>
+              </a:rPr>
+              <a:t>Submitted By:– </a:t>
+            </a:r>
+            <a:br>
+              <a:rPr lang="en-IN" sz="2800" dirty="0">
+                <a:latin typeface="Arial" pitchFamily="34" charset="0"/>
+                <a:cs typeface="Arial" pitchFamily="34" charset="0"/>
+              </a:rPr>
+            </a:br>
+            <a:r>
+              <a:rPr lang="en-IN" sz="2800" dirty="0">
+                <a:latin typeface="Arial" pitchFamily="34" charset="0"/>
+                <a:cs typeface="Arial" pitchFamily="34" charset="0"/>
+              </a:rPr>
+              <a:t>					Shubham Patel</a:t>
+            </a:r>
+            <a:br>
+              <a:rPr lang="en-IN" sz="2800" dirty="0">
+                <a:latin typeface="Arial" pitchFamily="34" charset="0"/>
+                <a:cs typeface="Arial" pitchFamily="34" charset="0"/>
+              </a:rPr>
+            </a:br>
+            <a:r>
+              <a:rPr lang="en-IN" sz="2800" dirty="0">
+                <a:latin typeface="Arial" pitchFamily="34" charset="0"/>
+                <a:cs typeface="Arial" pitchFamily="34" charset="0"/>
+              </a:rPr>
+              <a:t>				         (Team 22)</a:t>
+            </a:r>
             <a:endParaRPr lang="en-IN" sz="5400" dirty="0">
               <a:latin typeface="Arial" pitchFamily="34" charset="0"/>
               <a:cs typeface="Arial" pitchFamily="34" charset="0"/>
@@ -3154,10 +3221,9 @@
           <a:lstStyle/>
           <a:p>
             <a:r>
-              <a:rPr lang="en-IN" dirty="0" smtClean="0"/>
+              <a:rPr lang="en-IN" dirty="0"/>
               <a:t>Rudimentary Idea	</a:t>
             </a:r>
-            <a:endParaRPr lang="en-IN" dirty="0"/>
           </a:p>
         </p:txBody>
       </p:sp>
@@ -3184,15 +3250,15 @@
           <a:lstStyle/>
           <a:p>
             <a:r>
-              <a:rPr lang="en-IN" dirty="0" smtClean="0"/>
+              <a:rPr lang="en-IN" dirty="0"/>
               <a:t>Development of  a new drug depends on some factors of </a:t>
             </a:r>
             <a:r>
-              <a:rPr lang="en-IN" dirty="0" err="1" smtClean="0"/>
+              <a:rPr lang="en-IN" dirty="0" err="1"/>
               <a:t>Pharmacokietics</a:t>
             </a:r>
             <a:r>
-              <a:rPr lang="en-IN" dirty="0" smtClean="0"/>
+              <a:rPr lang="en-IN" dirty="0"/>
               <a:t> :-</a:t>
             </a:r>
           </a:p>
@@ -3202,12 +3268,12 @@
               <a:buAutoNum type="arabicPeriod"/>
             </a:pPr>
             <a:r>
-              <a:rPr lang="en-IN" dirty="0" smtClean="0">
+              <a:rPr lang="en-IN" dirty="0">
                 <a:hlinkClick r:id="rId2"/>
               </a:rPr>
               <a:t>Liberation</a:t>
             </a:r>
-            <a:endParaRPr lang="en-IN" dirty="0" smtClean="0"/>
+            <a:endParaRPr lang="en-IN" dirty="0"/>
           </a:p>
           <a:p>
             <a:pPr marL="514350" indent="-514350">
@@ -3215,12 +3281,12 @@
               <a:buAutoNum type="arabicPeriod"/>
             </a:pPr>
             <a:r>
-              <a:rPr lang="en-IN" dirty="0" smtClean="0">
+              <a:rPr lang="en-IN" dirty="0">
                 <a:hlinkClick r:id="rId2"/>
               </a:rPr>
               <a:t>Dissolution</a:t>
             </a:r>
-            <a:endParaRPr lang="en-IN" dirty="0" smtClean="0"/>
+            <a:endParaRPr lang="en-IN" dirty="0"/>
           </a:p>
           <a:p>
             <a:pPr marL="514350" indent="-514350">
@@ -3233,22 +3299,17 @@
               <a:buNone/>
             </a:pPr>
             <a:r>
-              <a:rPr lang="en-IN" dirty="0" smtClean="0"/>
+              <a:rPr lang="en-IN" dirty="0"/>
               <a:t>     Researchers will try to achieve the predefined goal with the combination of different compounds using </a:t>
             </a:r>
             <a:r>
-              <a:rPr lang="en-IN" dirty="0" err="1" smtClean="0"/>
+              <a:rPr lang="en-IN" dirty="0" err="1"/>
               <a:t>Pharmacopiea</a:t>
             </a:r>
             <a:r>
               <a:rPr lang="en-IN" dirty="0"/>
-              <a:t> </a:t>
-            </a:r>
-            <a:r>
-              <a:rPr lang="en-IN" dirty="0" smtClean="0"/>
-              <a:t>and to achieve this, they will set some basic values of this factors. </a:t>
-            </a:r>
-            <a:endParaRPr lang="en-IN" dirty="0"/>
+              <a:t> and to achieve this, they will set some basic values of this factors. </a:t>
+            </a:r>
           </a:p>
         </p:txBody>
       </p:sp>
@@ -3295,10 +3356,9 @@
           <a:lstStyle/>
           <a:p>
             <a:r>
-              <a:rPr lang="en-IN" dirty="0" smtClean="0"/>
+              <a:rPr lang="en-IN" dirty="0"/>
               <a:t>Class Structure	</a:t>
             </a:r>
-            <a:endParaRPr lang="en-IN" dirty="0"/>
           </a:p>
         </p:txBody>
       </p:sp>
@@ -3328,47 +3388,47 @@
               <a:buNone/>
             </a:pPr>
             <a:r>
-              <a:rPr lang="en-IN" b="1" u="sng" dirty="0" smtClean="0"/>
+              <a:rPr lang="en-IN" b="1" u="sng" dirty="0"/>
               <a:t>Java Class</a:t>
             </a:r>
           </a:p>
           <a:p>
             <a:pPr algn="just"/>
             <a:r>
-              <a:rPr lang="en-IN" dirty="0" err="1" smtClean="0"/>
+              <a:rPr lang="en-IN" dirty="0" err="1"/>
               <a:t>Drug_Optimization</a:t>
             </a:r>
             <a:r>
-              <a:rPr lang="en-IN" dirty="0" smtClean="0"/>
+              <a:rPr lang="en-IN" dirty="0"/>
               <a:t> (Main Class)</a:t>
             </a:r>
           </a:p>
           <a:p>
             <a:pPr algn="just"/>
             <a:r>
-              <a:rPr lang="en-IN" dirty="0" err="1" smtClean="0"/>
+              <a:rPr lang="en-IN" dirty="0" err="1"/>
               <a:t>Mutation_Crossover</a:t>
             </a:r>
-            <a:endParaRPr lang="en-IN" dirty="0" smtClean="0"/>
+            <a:endParaRPr lang="en-IN" dirty="0"/>
           </a:p>
           <a:p>
             <a:pPr algn="just"/>
             <a:r>
-              <a:rPr lang="en-IN" dirty="0" smtClean="0"/>
+              <a:rPr lang="en-IN" dirty="0"/>
               <a:t>Fitness</a:t>
             </a:r>
           </a:p>
           <a:p>
             <a:pPr algn="just"/>
             <a:r>
-              <a:rPr lang="en-IN" dirty="0" smtClean="0"/>
+              <a:rPr lang="en-IN" dirty="0"/>
               <a:t>Researcher</a:t>
             </a:r>
           </a:p>
           <a:p>
             <a:pPr algn="just"/>
             <a:r>
-              <a:rPr lang="en-IN" dirty="0" smtClean="0"/>
+              <a:rPr lang="en-IN" dirty="0"/>
               <a:t>Community</a:t>
             </a:r>
           </a:p>
@@ -3377,44 +3437,44 @@
               <a:buNone/>
             </a:pPr>
             <a:r>
-              <a:rPr lang="en-IN" b="1" u="sng" dirty="0" smtClean="0"/>
+              <a:rPr lang="en-IN" b="1" u="sng" dirty="0"/>
               <a:t>Test Class</a:t>
             </a:r>
             <a:r>
-              <a:rPr lang="en-IN" b="1" dirty="0" smtClean="0"/>
+              <a:rPr lang="en-IN" b="1" dirty="0"/>
               <a:t>				</a:t>
             </a:r>
             <a:r>
-              <a:rPr lang="en-IN" b="1" u="sng" dirty="0" smtClean="0"/>
+              <a:rPr lang="en-IN" b="1" u="sng" dirty="0"/>
               <a:t>Test Suite</a:t>
             </a:r>
           </a:p>
           <a:p>
             <a:pPr algn="just"/>
             <a:r>
-              <a:rPr lang="en-IN" dirty="0" err="1" smtClean="0"/>
+              <a:rPr lang="en-IN" dirty="0" err="1"/>
               <a:t>Evolution_Test</a:t>
             </a:r>
             <a:r>
-              <a:rPr lang="en-IN" dirty="0" smtClean="0"/>
+              <a:rPr lang="en-IN" dirty="0"/>
               <a:t>                    </a:t>
             </a:r>
             <a:r>
-              <a:rPr lang="en-IN" dirty="0" err="1" smtClean="0"/>
+              <a:rPr lang="en-IN" dirty="0" err="1"/>
               <a:t>TestSuite</a:t>
             </a:r>
             <a:r>
-              <a:rPr lang="en-IN" dirty="0" smtClean="0"/>
+              <a:rPr lang="en-IN" dirty="0"/>
               <a:t> </a:t>
             </a:r>
           </a:p>
           <a:p>
             <a:pPr algn="just"/>
             <a:r>
-              <a:rPr lang="en-IN" dirty="0" err="1" smtClean="0"/>
+              <a:rPr lang="en-IN" dirty="0" err="1"/>
               <a:t>Fittest_Test</a:t>
             </a:r>
-            <a:endParaRPr lang="en-IN" dirty="0" smtClean="0"/>
+            <a:endParaRPr lang="en-IN" dirty="0"/>
           </a:p>
           <a:p>
             <a:pPr>
@@ -3465,16 +3525,12 @@
           <a:lstStyle/>
           <a:p>
             <a:r>
-              <a:rPr lang="en-IN" dirty="0" smtClean="0"/>
+              <a:rPr lang="en-IN" dirty="0"/>
               <a:t>Steps </a:t>
             </a:r>
             <a:r>
-              <a:rPr lang="en-IN" smtClean="0"/>
-              <a:t>For </a:t>
-            </a:r>
-            <a:r>
-              <a:rPr lang="en-IN" smtClean="0"/>
-              <a:t>Optimization</a:t>
+              <a:rPr lang="en-IN"/>
+              <a:t>For Optimization</a:t>
             </a:r>
             <a:endParaRPr lang="en-IN" dirty="0"/>
           </a:p>
@@ -3503,37 +3559,37 @@
           <a:lstStyle/>
           <a:p>
             <a:r>
-              <a:rPr lang="en-IN" dirty="0" smtClean="0"/>
+              <a:rPr lang="en-IN" dirty="0"/>
               <a:t>There will be a community of researchers which work towards the development of drugs.</a:t>
             </a:r>
           </a:p>
           <a:p>
             <a:r>
-              <a:rPr lang="en-IN" dirty="0" smtClean="0"/>
+              <a:rPr lang="en-IN" dirty="0"/>
               <a:t>Each researcher will take two factors as their genes and try to get the solution close to defined solution.</a:t>
             </a:r>
           </a:p>
           <a:p>
             <a:r>
-              <a:rPr lang="en-IN" dirty="0" smtClean="0"/>
+              <a:rPr lang="en-IN" dirty="0"/>
               <a:t>The best solution of every generation will be captured.</a:t>
             </a:r>
           </a:p>
           <a:p>
             <a:r>
-              <a:rPr lang="en-IN" dirty="0" smtClean="0"/>
+              <a:rPr lang="en-IN" dirty="0"/>
               <a:t>For getting the next generation, random selection will be made by setting some selection size.</a:t>
             </a:r>
           </a:p>
           <a:p>
             <a:r>
-              <a:rPr lang="en-IN" dirty="0" smtClean="0"/>
+              <a:rPr lang="en-IN" dirty="0"/>
               <a:t>Then crossover and mutation is used to come up with some improved solution.</a:t>
             </a:r>
           </a:p>
           <a:p>
             <a:r>
-              <a:rPr lang="en-IN" dirty="0" smtClean="0"/>
+              <a:rPr lang="en-IN" dirty="0"/>
               <a:t>Once we get the next generation we will repeat the processes until we achieve the solution close to the desired one.</a:t>
             </a:r>
           </a:p>
@@ -3583,10 +3639,9 @@
           <a:lstStyle/>
           <a:p>
             <a:r>
-              <a:rPr lang="en-IN" dirty="0" smtClean="0"/>
+              <a:rPr lang="en-IN" dirty="0"/>
               <a:t>Walk Through The Process</a:t>
             </a:r>
-            <a:endParaRPr lang="en-IN" dirty="0"/>
           </a:p>
         </p:txBody>
       </p:sp>
@@ -3613,34 +3668,33 @@
           <a:lstStyle/>
           <a:p>
             <a:r>
-              <a:rPr lang="en-IN" dirty="0" smtClean="0"/>
+              <a:rPr lang="en-IN" dirty="0"/>
               <a:t>Community is randomly generated with the size 100.</a:t>
             </a:r>
           </a:p>
           <a:p>
             <a:r>
-              <a:rPr lang="en-IN" dirty="0" smtClean="0"/>
+              <a:rPr lang="en-IN" dirty="0"/>
               <a:t>Each researcher in the community will have Liberation and Dissolution as genes.</a:t>
             </a:r>
           </a:p>
           <a:p>
             <a:r>
-              <a:rPr lang="en-IN" dirty="0" smtClean="0"/>
+              <a:rPr lang="en-IN" dirty="0"/>
               <a:t>The fittest researcher is found from the community using the distance between the desired solution and the solution achieved by the researcher.</a:t>
             </a:r>
           </a:p>
           <a:p>
             <a:r>
-              <a:rPr lang="en-IN" dirty="0" smtClean="0"/>
+              <a:rPr lang="en-IN" dirty="0"/>
               <a:t>Now we want to constantly improve the overall fitness of the researchers, so for that the community is evolved using the crossover and mutation functions by combining two genes with best fitness which will generate another gene.</a:t>
             </a:r>
           </a:p>
           <a:p>
             <a:r>
-              <a:rPr lang="en-IN" dirty="0" smtClean="0"/>
+              <a:rPr lang="en-IN" dirty="0"/>
               <a:t> Now we have our next generation, so we will start again and find the optimized solution which will be closest to the desired solution. </a:t>
             </a:r>
-            <a:endParaRPr lang="en-IN" dirty="0"/>
           </a:p>
         </p:txBody>
       </p:sp>
@@ -3690,10 +3744,9 @@
           <a:lstStyle/>
           <a:p>
             <a:r>
-              <a:rPr lang="en-IN" dirty="0" smtClean="0"/>
+              <a:rPr lang="en-IN" dirty="0"/>
               <a:t>Result using UI</a:t>
             </a:r>
-            <a:endParaRPr lang="en-IN" dirty="0"/>
           </a:p>
         </p:txBody>
       </p:sp>
@@ -3761,10 +3814,9 @@
           <a:lstStyle/>
           <a:p>
             <a:r>
-              <a:rPr lang="en-IN" dirty="0" smtClean="0"/>
+              <a:rPr lang="en-IN" dirty="0"/>
               <a:t>Logs On Console</a:t>
             </a:r>
-            <a:endParaRPr lang="en-IN" dirty="0"/>
           </a:p>
         </p:txBody>
       </p:sp>
@@ -3832,10 +3884,9 @@
           <a:lstStyle/>
           <a:p>
             <a:r>
-              <a:rPr lang="en-IN" dirty="0" smtClean="0"/>
+              <a:rPr lang="en-IN" dirty="0"/>
               <a:t>Test Suite</a:t>
             </a:r>
-            <a:endParaRPr lang="en-IN" dirty="0"/>
           </a:p>
         </p:txBody>
       </p:sp>
@@ -3863,6 +3914,75 @@
         </p:spPr>
       </p:pic>
     </p:spTree>
+  </p:cSld>
+  <p:clrMapOvr>
+    <a:masterClrMapping/>
+  </p:clrMapOvr>
+</p:sld>
+</file>
+
+<file path=ppt/slides/slide9.xml><?xml version="1.0" encoding="utf-8"?>
+<p:sld xmlns:a="http://schemas.openxmlformats.org/drawingml/2006/main" xmlns:r="http://schemas.openxmlformats.org/officeDocument/2006/relationships" xmlns:p="http://schemas.openxmlformats.org/presentationml/2006/main">
+  <p:cSld>
+    <p:spTree>
+      <p:nvGrpSpPr>
+        <p:cNvPr id="1" name=""/>
+        <p:cNvGrpSpPr/>
+        <p:nvPr/>
+      </p:nvGrpSpPr>
+      <p:grpSpPr>
+        <a:xfrm>
+          <a:off x="0" y="0"/>
+          <a:ext cx="0" cy="0"/>
+          <a:chOff x="0" y="0"/>
+          <a:chExt cx="0" cy="0"/>
+        </a:xfrm>
+      </p:grpSpPr>
+      <p:sp>
+        <p:nvSpPr>
+          <p:cNvPr id="6" name="TextBox 5">
+            <a:extLst>
+              <a:ext uri="{FF2B5EF4-FFF2-40B4-BE49-F238E27FC236}">
+                <a16:creationId xmlns:a16="http://schemas.microsoft.com/office/drawing/2014/main" id="{0464F5D2-880E-4E1C-8D7D-9366504C3BD7}"/>
+              </a:ext>
+            </a:extLst>
+          </p:cNvPr>
+          <p:cNvSpPr txBox="1"/>
+          <p:nvPr/>
+        </p:nvSpPr>
+        <p:spPr>
+          <a:xfrm>
+            <a:off x="971600" y="2060848"/>
+            <a:ext cx="7344816" cy="1569660"/>
+          </a:xfrm>
+          <a:prstGeom prst="rect">
+            <a:avLst/>
+          </a:prstGeom>
+          <a:noFill/>
+        </p:spPr>
+        <p:txBody>
+          <a:bodyPr wrap="square" rtlCol="0">
+            <a:spAutoFit/>
+          </a:bodyPr>
+          <a:lstStyle/>
+          <a:p>
+            <a:pPr algn="ctr"/>
+            <a:r>
+              <a:rPr lang="en-US" sz="9600" dirty="0">
+                <a:latin typeface="Arial" panose="020B0604020202020204" pitchFamily="34" charset="0"/>
+                <a:cs typeface="Arial" panose="020B0604020202020204" pitchFamily="34" charset="0"/>
+              </a:rPr>
+              <a:t>Thank You</a:t>
+            </a:r>
+          </a:p>
+        </p:txBody>
+      </p:sp>
+    </p:spTree>
+    <p:extLst>
+      <p:ext uri="{BB962C8B-B14F-4D97-AF65-F5344CB8AC3E}">
+        <p14:creationId xmlns:p14="http://schemas.microsoft.com/office/powerpoint/2010/main" val="1295939345"/>
+      </p:ext>
+    </p:extLst>
   </p:cSld>
   <p:clrMapOvr>
     <a:masterClrMapping/>

--- a/ProjectReport-Optimization of Drug Development.pptx
+++ b/ProjectReport-Optimization of Drug Development.pptx
@@ -10,10 +10,12 @@
     <p:sldId id="258" r:id="rId4"/>
     <p:sldId id="259" r:id="rId5"/>
     <p:sldId id="263" r:id="rId6"/>
-    <p:sldId id="260" r:id="rId7"/>
-    <p:sldId id="261" r:id="rId8"/>
-    <p:sldId id="262" r:id="rId9"/>
-    <p:sldId id="264" r:id="rId10"/>
+    <p:sldId id="266" r:id="rId7"/>
+    <p:sldId id="260" r:id="rId8"/>
+    <p:sldId id="261" r:id="rId9"/>
+    <p:sldId id="262" r:id="rId10"/>
+    <p:sldId id="265" r:id="rId11"/>
+    <p:sldId id="264" r:id="rId12"/>
   </p:sldIdLst>
   <p:sldSz cx="9144000" cy="6858000" type="screen4x3"/>
   <p:notesSz cx="6858000" cy="9144000"/>
@@ -3188,6 +3190,196 @@
 </p:sld>
 </file>
 
+<file path=ppt/slides/slide10.xml><?xml version="1.0" encoding="utf-8"?>
+<p:sld xmlns:a="http://schemas.openxmlformats.org/drawingml/2006/main" xmlns:r="http://schemas.openxmlformats.org/officeDocument/2006/relationships" xmlns:p="http://schemas.openxmlformats.org/presentationml/2006/main">
+  <p:cSld>
+    <p:spTree>
+      <p:nvGrpSpPr>
+        <p:cNvPr id="1" name=""/>
+        <p:cNvGrpSpPr/>
+        <p:nvPr/>
+      </p:nvGrpSpPr>
+      <p:grpSpPr>
+        <a:xfrm>
+          <a:off x="0" y="0"/>
+          <a:ext cx="0" cy="0"/>
+          <a:chOff x="0" y="0"/>
+          <a:chExt cx="0" cy="0"/>
+        </a:xfrm>
+      </p:grpSpPr>
+      <p:sp>
+        <p:nvSpPr>
+          <p:cNvPr id="2" name="Title 1">
+            <a:extLst>
+              <a:ext uri="{FF2B5EF4-FFF2-40B4-BE49-F238E27FC236}">
+                <a16:creationId xmlns:a16="http://schemas.microsoft.com/office/drawing/2014/main" id="{F2D0E446-F250-4D84-A0C9-9C3B1FB20B50}"/>
+              </a:ext>
+            </a:extLst>
+          </p:cNvPr>
+          <p:cNvSpPr>
+            <a:spLocks noGrp="1"/>
+          </p:cNvSpPr>
+          <p:nvPr>
+            <p:ph type="title"/>
+          </p:nvPr>
+        </p:nvSpPr>
+        <p:spPr/>
+        <p:txBody>
+          <a:bodyPr/>
+          <a:lstStyle/>
+          <a:p>
+            <a:r>
+              <a:rPr lang="en-US" dirty="0"/>
+              <a:t>Conclusion</a:t>
+            </a:r>
+          </a:p>
+        </p:txBody>
+      </p:sp>
+      <p:sp>
+        <p:nvSpPr>
+          <p:cNvPr id="3" name="Content Placeholder 2">
+            <a:extLst>
+              <a:ext uri="{FF2B5EF4-FFF2-40B4-BE49-F238E27FC236}">
+                <a16:creationId xmlns:a16="http://schemas.microsoft.com/office/drawing/2014/main" id="{4F456DB1-65B2-4842-A518-F256E3AA9B1B}"/>
+              </a:ext>
+            </a:extLst>
+          </p:cNvPr>
+          <p:cNvSpPr>
+            <a:spLocks noGrp="1"/>
+          </p:cNvSpPr>
+          <p:nvPr>
+            <p:ph idx="1"/>
+          </p:nvPr>
+        </p:nvSpPr>
+        <p:spPr>
+          <a:xfrm>
+            <a:off x="179512" y="1700808"/>
+            <a:ext cx="8784976" cy="4425355"/>
+          </a:xfrm>
+        </p:spPr>
+        <p:txBody>
+          <a:bodyPr/>
+          <a:lstStyle/>
+          <a:p>
+            <a:r>
+              <a:rPr lang="en-US" altLang="en-US" dirty="0"/>
+              <a:t>A </a:t>
+            </a:r>
+            <a:r>
+              <a:rPr lang="en-US" altLang="en-US" b="1" dirty="0"/>
+              <a:t>genetic algorithm</a:t>
+            </a:r>
+            <a:r>
+              <a:rPr lang="en-US" altLang="en-US" dirty="0"/>
+              <a:t> (or </a:t>
+            </a:r>
+            <a:r>
+              <a:rPr lang="en-US" altLang="en-US" b="1" dirty="0"/>
+              <a:t>GA</a:t>
+            </a:r>
+            <a:r>
+              <a:rPr lang="en-US" altLang="en-US" dirty="0"/>
+              <a:t>) is a search technique used in computing to find true or approximate solutions to optimization.</a:t>
+            </a:r>
+          </a:p>
+          <a:p>
+            <a:r>
+              <a:rPr lang="en-US" dirty="0"/>
+              <a:t>It is very efficient, </a:t>
+            </a:r>
+            <a:r>
+              <a:rPr lang="en-US" dirty="0" err="1"/>
+              <a:t>astounishing</a:t>
+            </a:r>
+            <a:r>
+              <a:rPr lang="en-US" dirty="0"/>
+              <a:t> and are used in many fields.</a:t>
+            </a:r>
+          </a:p>
+        </p:txBody>
+      </p:sp>
+    </p:spTree>
+    <p:extLst>
+      <p:ext uri="{BB962C8B-B14F-4D97-AF65-F5344CB8AC3E}">
+        <p14:creationId xmlns:p14="http://schemas.microsoft.com/office/powerpoint/2010/main" val="3401490302"/>
+      </p:ext>
+    </p:extLst>
+  </p:cSld>
+  <p:clrMapOvr>
+    <a:masterClrMapping/>
+  </p:clrMapOvr>
+</p:sld>
+</file>
+
+<file path=ppt/slides/slide11.xml><?xml version="1.0" encoding="utf-8"?>
+<p:sld xmlns:a="http://schemas.openxmlformats.org/drawingml/2006/main" xmlns:r="http://schemas.openxmlformats.org/officeDocument/2006/relationships" xmlns:p="http://schemas.openxmlformats.org/presentationml/2006/main">
+  <p:cSld>
+    <p:spTree>
+      <p:nvGrpSpPr>
+        <p:cNvPr id="1" name=""/>
+        <p:cNvGrpSpPr/>
+        <p:nvPr/>
+      </p:nvGrpSpPr>
+      <p:grpSpPr>
+        <a:xfrm>
+          <a:off x="0" y="0"/>
+          <a:ext cx="0" cy="0"/>
+          <a:chOff x="0" y="0"/>
+          <a:chExt cx="0" cy="0"/>
+        </a:xfrm>
+      </p:grpSpPr>
+      <p:sp>
+        <p:nvSpPr>
+          <p:cNvPr id="6" name="TextBox 5">
+            <a:extLst>
+              <a:ext uri="{FF2B5EF4-FFF2-40B4-BE49-F238E27FC236}">
+                <a16:creationId xmlns:a16="http://schemas.microsoft.com/office/drawing/2014/main" id="{0464F5D2-880E-4E1C-8D7D-9366504C3BD7}"/>
+              </a:ext>
+            </a:extLst>
+          </p:cNvPr>
+          <p:cNvSpPr txBox="1"/>
+          <p:nvPr/>
+        </p:nvSpPr>
+        <p:spPr>
+          <a:xfrm>
+            <a:off x="971600" y="2060848"/>
+            <a:ext cx="7344816" cy="1569660"/>
+          </a:xfrm>
+          <a:prstGeom prst="rect">
+            <a:avLst/>
+          </a:prstGeom>
+          <a:noFill/>
+        </p:spPr>
+        <p:txBody>
+          <a:bodyPr wrap="square" rtlCol="0">
+            <a:spAutoFit/>
+          </a:bodyPr>
+          <a:lstStyle/>
+          <a:p>
+            <a:pPr algn="ctr"/>
+            <a:r>
+              <a:rPr lang="en-US" sz="9600" dirty="0">
+                <a:latin typeface="Arial" panose="020B0604020202020204" pitchFamily="34" charset="0"/>
+                <a:cs typeface="Arial" panose="020B0604020202020204" pitchFamily="34" charset="0"/>
+              </a:rPr>
+              <a:t>Thank You</a:t>
+            </a:r>
+          </a:p>
+        </p:txBody>
+      </p:sp>
+    </p:spTree>
+    <p:extLst>
+      <p:ext uri="{BB962C8B-B14F-4D97-AF65-F5344CB8AC3E}">
+        <p14:creationId xmlns:p14="http://schemas.microsoft.com/office/powerpoint/2010/main" val="1295939345"/>
+      </p:ext>
+    </p:extLst>
+  </p:cSld>
+  <p:clrMapOvr>
+    <a:masterClrMapping/>
+  </p:clrMapOvr>
+</p:sld>
+</file>
+
 <file path=ppt/slides/slide2.xml><?xml version="1.0" encoding="utf-8"?>
 <p:sld xmlns:a="http://schemas.openxmlformats.org/drawingml/2006/main" xmlns:r="http://schemas.openxmlformats.org/officeDocument/2006/relationships" xmlns:p="http://schemas.openxmlformats.org/presentationml/2006/main">
   <p:cSld>
@@ -3300,7 +3492,7 @@
             </a:pPr>
             <a:r>
               <a:rPr lang="en-IN" dirty="0"/>
-              <a:t>     Researchers will try to achieve the predefined goal with the combination of different compounds using </a:t>
+              <a:t>      Researchers will try to achieve the predefined goal with the combination of different compounds using </a:t>
             </a:r>
             <a:r>
               <a:rPr lang="en-IN" dirty="0" err="1"/>
@@ -3725,18 +3917,52 @@
       </p:grpSpPr>
       <p:sp>
         <p:nvSpPr>
-          <p:cNvPr id="2" name="Title 1"/>
+          <p:cNvPr id="4" name="Title 3">
+            <a:extLst>
+              <a:ext uri="{FF2B5EF4-FFF2-40B4-BE49-F238E27FC236}">
+                <a16:creationId xmlns:a16="http://schemas.microsoft.com/office/drawing/2014/main" id="{51AA4F38-77BC-40E7-83B0-C584902AFB94}"/>
+              </a:ext>
+            </a:extLst>
+          </p:cNvPr>
           <p:cNvSpPr>
             <a:spLocks noGrp="1"/>
           </p:cNvSpPr>
           <p:nvPr>
             <p:ph type="title"/>
+          </p:nvPr>
+        </p:nvSpPr>
+        <p:spPr/>
+        <p:txBody>
+          <a:bodyPr/>
+          <a:lstStyle/>
+          <a:p>
+            <a:r>
+              <a:rPr lang="en-US" dirty="0"/>
+              <a:t>Findings	</a:t>
+            </a:r>
+          </a:p>
+        </p:txBody>
+      </p:sp>
+      <p:sp>
+        <p:nvSpPr>
+          <p:cNvPr id="5" name="Content Placeholder 4">
+            <a:extLst>
+              <a:ext uri="{FF2B5EF4-FFF2-40B4-BE49-F238E27FC236}">
+                <a16:creationId xmlns:a16="http://schemas.microsoft.com/office/drawing/2014/main" id="{58EEA45D-807B-4911-AE1D-E12A7727B3DA}"/>
+              </a:ext>
+            </a:extLst>
+          </p:cNvPr>
+          <p:cNvSpPr>
+            <a:spLocks noGrp="1"/>
+          </p:cNvSpPr>
+          <p:nvPr>
+            <p:ph idx="1"/>
           </p:nvPr>
         </p:nvSpPr>
         <p:spPr>
           <a:xfrm>
-            <a:off x="467544" y="260648"/>
-            <a:ext cx="8229600" cy="940966"/>
+            <a:off x="539552" y="1700808"/>
+            <a:ext cx="8229600" cy="4525963"/>
           </a:xfrm>
         </p:spPr>
         <p:txBody>
@@ -3744,36 +3970,32 @@
           <a:lstStyle/>
           <a:p>
             <a:r>
-              <a:rPr lang="en-IN" dirty="0"/>
-              <a:t>Result using UI</a:t>
-            </a:r>
-          </a:p>
-        </p:txBody>
-      </p:sp>
-      <p:pic>
-        <p:nvPicPr>
-          <p:cNvPr id="6" name="Content Placeholder 5" descr="Genetic_Algorithm_UI.jpg"/>
-          <p:cNvPicPr>
-            <a:picLocks noGrp="1" noChangeAspect="1"/>
-          </p:cNvPicPr>
-          <p:nvPr>
-            <p:ph idx="1"/>
-          </p:nvPr>
-        </p:nvPicPr>
-        <p:blipFill>
-          <a:blip r:embed="rId2" cstate="print"/>
-          <a:stretch>
-            <a:fillRect/>
-          </a:stretch>
-        </p:blipFill>
-        <p:spPr>
-          <a:xfrm>
-            <a:off x="0" y="1196975"/>
-            <a:ext cx="9144000" cy="5661025"/>
-          </a:xfrm>
-        </p:spPr>
-      </p:pic>
+              <a:rPr lang="en-US" dirty="0"/>
+              <a:t>After using this algorithm to solve my problem of optimizing the drug development process, I found that the optimized solution which is very close to the desired target is achieved between 19 to 22 generations.</a:t>
+            </a:r>
+          </a:p>
+          <a:p>
+            <a:r>
+              <a:rPr lang="en-US" dirty="0"/>
+              <a:t>For example when I ran my experiment I found that in 21</a:t>
+            </a:r>
+            <a:r>
+              <a:rPr lang="en-US" baseline="30000" dirty="0"/>
+              <a:t>st</a:t>
+            </a:r>
+            <a:r>
+              <a:rPr lang="en-US" dirty="0"/>
+              <a:t> generation I was able to find the solution which is very close to the target.  </a:t>
+            </a:r>
+          </a:p>
+        </p:txBody>
+      </p:sp>
     </p:spTree>
+    <p:extLst>
+      <p:ext uri="{BB962C8B-B14F-4D97-AF65-F5344CB8AC3E}">
+        <p14:creationId xmlns:p14="http://schemas.microsoft.com/office/powerpoint/2010/main" val="1699494573"/>
+      </p:ext>
+    </p:extLst>
   </p:cSld>
   <p:clrMapOvr>
     <a:masterClrMapping/>
@@ -3808,21 +4030,26 @@
             <p:ph type="title"/>
           </p:nvPr>
         </p:nvSpPr>
-        <p:spPr/>
+        <p:spPr>
+          <a:xfrm>
+            <a:off x="467544" y="260648"/>
+            <a:ext cx="8229600" cy="940966"/>
+          </a:xfrm>
+        </p:spPr>
         <p:txBody>
           <a:bodyPr/>
           <a:lstStyle/>
           <a:p>
             <a:r>
               <a:rPr lang="en-IN" dirty="0"/>
-              <a:t>Logs On Console</a:t>
+              <a:t>Result using UI</a:t>
             </a:r>
           </a:p>
         </p:txBody>
       </p:sp>
       <p:pic>
         <p:nvPicPr>
-          <p:cNvPr id="4" name="Content Placeholder 3" descr="Logs.png"/>
+          <p:cNvPr id="6" name="Content Placeholder 5" descr="Genetic_Algorithm_UI.jpg"/>
           <p:cNvPicPr>
             <a:picLocks noGrp="1" noChangeAspect="1"/>
           </p:cNvPicPr>
@@ -3838,8 +4065,8 @@
         </p:blipFill>
         <p:spPr>
           <a:xfrm>
-            <a:off x="0" y="1196752"/>
-            <a:ext cx="9144000" cy="5661248"/>
+            <a:off x="0" y="1196975"/>
+            <a:ext cx="9144000" cy="5661025"/>
           </a:xfrm>
         </p:spPr>
       </p:pic>
@@ -3885,14 +4112,14 @@
           <a:p>
             <a:r>
               <a:rPr lang="en-IN" dirty="0"/>
-              <a:t>Test Suite</a:t>
+              <a:t>Logs On Console</a:t>
             </a:r>
           </a:p>
         </p:txBody>
       </p:sp>
       <p:pic>
         <p:nvPicPr>
-          <p:cNvPr id="4" name="Content Placeholder 3" descr="Test_Suite.png"/>
+          <p:cNvPr id="4" name="Content Placeholder 3" descr="Logs.png"/>
           <p:cNvPicPr>
             <a:picLocks noGrp="1" noChangeAspect="1"/>
           </p:cNvPicPr>
@@ -3908,8 +4135,8 @@
         </p:blipFill>
         <p:spPr>
           <a:xfrm>
-            <a:off x="0" y="1268760"/>
-            <a:ext cx="9144000" cy="5589240"/>
+            <a:off x="0" y="1196752"/>
+            <a:ext cx="9144000" cy="5661248"/>
           </a:xfrm>
         </p:spPr>
       </p:pic>
@@ -3940,49 +4167,50 @@
       </p:grpSpPr>
       <p:sp>
         <p:nvSpPr>
-          <p:cNvPr id="6" name="TextBox 5">
-            <a:extLst>
-              <a:ext uri="{FF2B5EF4-FFF2-40B4-BE49-F238E27FC236}">
-                <a16:creationId xmlns:a16="http://schemas.microsoft.com/office/drawing/2014/main" id="{0464F5D2-880E-4E1C-8D7D-9366504C3BD7}"/>
-              </a:ext>
-            </a:extLst>
-          </p:cNvPr>
-          <p:cNvSpPr txBox="1"/>
-          <p:nvPr/>
-        </p:nvSpPr>
+          <p:cNvPr id="2" name="Title 1"/>
+          <p:cNvSpPr>
+            <a:spLocks noGrp="1"/>
+          </p:cNvSpPr>
+          <p:nvPr>
+            <p:ph type="title"/>
+          </p:nvPr>
+        </p:nvSpPr>
+        <p:spPr/>
+        <p:txBody>
+          <a:bodyPr/>
+          <a:lstStyle/>
+          <a:p>
+            <a:r>
+              <a:rPr lang="en-IN" dirty="0"/>
+              <a:t>Test Suite</a:t>
+            </a:r>
+          </a:p>
+        </p:txBody>
+      </p:sp>
+      <p:pic>
+        <p:nvPicPr>
+          <p:cNvPr id="4" name="Content Placeholder 3" descr="Test_Suite.png"/>
+          <p:cNvPicPr>
+            <a:picLocks noGrp="1" noChangeAspect="1"/>
+          </p:cNvPicPr>
+          <p:nvPr>
+            <p:ph idx="1"/>
+          </p:nvPr>
+        </p:nvPicPr>
+        <p:blipFill>
+          <a:blip r:embed="rId2" cstate="print"/>
+          <a:stretch>
+            <a:fillRect/>
+          </a:stretch>
+        </p:blipFill>
         <p:spPr>
           <a:xfrm>
-            <a:off x="971600" y="2060848"/>
-            <a:ext cx="7344816" cy="1569660"/>
+            <a:off x="0" y="1268760"/>
+            <a:ext cx="9144000" cy="5589240"/>
           </a:xfrm>
-          <a:prstGeom prst="rect">
-            <a:avLst/>
-          </a:prstGeom>
-          <a:noFill/>
         </p:spPr>
-        <p:txBody>
-          <a:bodyPr wrap="square" rtlCol="0">
-            <a:spAutoFit/>
-          </a:bodyPr>
-          <a:lstStyle/>
-          <a:p>
-            <a:pPr algn="ctr"/>
-            <a:r>
-              <a:rPr lang="en-US" sz="9600" dirty="0">
-                <a:latin typeface="Arial" panose="020B0604020202020204" pitchFamily="34" charset="0"/>
-                <a:cs typeface="Arial" panose="020B0604020202020204" pitchFamily="34" charset="0"/>
-              </a:rPr>
-              <a:t>Thank You</a:t>
-            </a:r>
-          </a:p>
-        </p:txBody>
-      </p:sp>
+      </p:pic>
     </p:spTree>
-    <p:extLst>
-      <p:ext uri="{BB962C8B-B14F-4D97-AF65-F5344CB8AC3E}">
-        <p14:creationId xmlns:p14="http://schemas.microsoft.com/office/powerpoint/2010/main" val="1295939345"/>
-      </p:ext>
-    </p:extLst>
   </p:cSld>
   <p:clrMapOvr>
     <a:masterClrMapping/>
